--- a/Presentation/Presentation Two - updated.pptx
+++ b/Presentation/Presentation Two - updated.pptx
@@ -249,7 +249,7 @@
             <a:fld id="{EFC10EE1-B198-C942-8235-326C972CBB30}" type="datetimeFigureOut">
               <a:rPr lang="en-US" smtClean="0"/>
               <a:pPr/>
-              <a:t>04-Sep-21</a:t>
+              <a:t>06-Sep-21</a:t>
             </a:fld>
             <a:endParaRPr lang="en-US" dirty="0"/>
           </a:p>
@@ -625,7 +625,7 @@
           <a:p>
             <a:fld id="{C764DE79-268F-4C1A-8933-263129D2AF90}" type="datetimeFigureOut">
               <a:rPr lang="en-US" dirty="0"/>
-              <a:t>04-Sep-21</a:t>
+              <a:t>06-Sep-21</a:t>
             </a:fld>
             <a:endParaRPr lang="en-US" dirty="0"/>
           </a:p>

--- a/Presentation/Presentation Two - updated.pptx
+++ b/Presentation/Presentation Two - updated.pptx
@@ -11645,8 +11645,8 @@
         </p:blipFill>
         <p:spPr>
           <a:xfrm>
-            <a:off x="3724102" y="2962967"/>
-            <a:ext cx="9217289" cy="5401593"/>
+            <a:off x="6418701" y="3027799"/>
+            <a:ext cx="7328999" cy="4295001"/>
           </a:xfrm>
           <a:prstGeom prst="rect">
             <a:avLst/>
@@ -11669,7 +11669,7 @@
         </p:blipFill>
         <p:spPr>
           <a:xfrm>
-            <a:off x="14929659" y="2511206"/>
+            <a:off x="386941" y="2121235"/>
             <a:ext cx="5828068" cy="5853353"/>
           </a:xfrm>
           <a:prstGeom prst="rect">
@@ -11677,6 +11677,204 @@
           </a:prstGeom>
         </p:spPr>
       </p:pic>
+      <p:pic>
+        <p:nvPicPr>
+          <p:cNvPr id="5" name="Picture 4" descr="Graphical user interface, chart, line chart&#10;&#10;Description automatically generated">
+            <a:extLst>
+              <a:ext uri="{FF2B5EF4-FFF2-40B4-BE49-F238E27FC236}">
+                <a16:creationId xmlns:a16="http://schemas.microsoft.com/office/drawing/2014/main" id="{4916FE4A-6F5B-427E-85A5-E1565CFF479D}"/>
+              </a:ext>
+            </a:extLst>
+          </p:cNvPr>
+          <p:cNvPicPr>
+            <a:picLocks noChangeAspect="1"/>
+          </p:cNvPicPr>
+          <p:nvPr/>
+        </p:nvPicPr>
+        <p:blipFill>
+          <a:blip r:embed="rId4" cstate="email">
+            <a:extLst>
+              <a:ext uri="{28A0092B-C50C-407E-A947-70E740481C1C}">
+                <a14:useLocalDpi xmlns:a14="http://schemas.microsoft.com/office/drawing/2010/main" val="0"/>
+              </a:ext>
+            </a:extLst>
+          </a:blip>
+          <a:stretch>
+            <a:fillRect/>
+          </a:stretch>
+        </p:blipFill>
+        <p:spPr>
+          <a:xfrm>
+            <a:off x="13951393" y="2875753"/>
+            <a:ext cx="10385054" cy="4599095"/>
+          </a:xfrm>
+          <a:prstGeom prst="rect">
+            <a:avLst/>
+          </a:prstGeom>
+        </p:spPr>
+      </p:pic>
+      <p:sp>
+        <p:nvSpPr>
+          <p:cNvPr id="4" name="Rectangle 3">
+            <a:extLst>
+              <a:ext uri="{FF2B5EF4-FFF2-40B4-BE49-F238E27FC236}">
+                <a16:creationId xmlns:a16="http://schemas.microsoft.com/office/drawing/2014/main" id="{4723D304-65D5-48D2-AFBF-98995FBC5C29}"/>
+              </a:ext>
+            </a:extLst>
+          </p:cNvPr>
+          <p:cNvSpPr/>
+          <p:nvPr/>
+        </p:nvSpPr>
+        <p:spPr>
+          <a:xfrm>
+            <a:off x="386941" y="2121235"/>
+            <a:ext cx="5720782" cy="5709780"/>
+          </a:xfrm>
+          <a:prstGeom prst="rect">
+            <a:avLst/>
+          </a:prstGeom>
+          <a:noFill/>
+          <a:ln w="38100">
+            <a:solidFill>
+              <a:schemeClr val="accent4">
+                <a:lumMod val="75000"/>
+              </a:schemeClr>
+            </a:solidFill>
+          </a:ln>
+        </p:spPr>
+        <p:style>
+          <a:lnRef idx="2">
+            <a:schemeClr val="accent1">
+              <a:shade val="50000"/>
+            </a:schemeClr>
+          </a:lnRef>
+          <a:fillRef idx="1">
+            <a:schemeClr val="accent1"/>
+          </a:fillRef>
+          <a:effectRef idx="0">
+            <a:schemeClr val="accent1"/>
+          </a:effectRef>
+          <a:fontRef idx="minor">
+            <a:schemeClr val="lt1"/>
+          </a:fontRef>
+        </p:style>
+        <p:txBody>
+          <a:bodyPr rtlCol="0" anchor="ctr"/>
+          <a:lstStyle/>
+          <a:p>
+            <a:pPr algn="ctr"/>
+            <a:endParaRPr lang="en-US"/>
+          </a:p>
+        </p:txBody>
+      </p:sp>
+      <p:sp>
+        <p:nvSpPr>
+          <p:cNvPr id="13" name="Rectangle 12">
+            <a:extLst>
+              <a:ext uri="{FF2B5EF4-FFF2-40B4-BE49-F238E27FC236}">
+                <a16:creationId xmlns:a16="http://schemas.microsoft.com/office/drawing/2014/main" id="{A8EB79D2-A647-4670-9DE5-005720B2A471}"/>
+              </a:ext>
+            </a:extLst>
+          </p:cNvPr>
+          <p:cNvSpPr/>
+          <p:nvPr/>
+        </p:nvSpPr>
+        <p:spPr>
+          <a:xfrm>
+            <a:off x="6479766" y="3002565"/>
+            <a:ext cx="7267934" cy="4320235"/>
+          </a:xfrm>
+          <a:prstGeom prst="rect">
+            <a:avLst/>
+          </a:prstGeom>
+          <a:noFill/>
+          <a:ln w="38100">
+            <a:solidFill>
+              <a:schemeClr val="accent4">
+                <a:lumMod val="75000"/>
+              </a:schemeClr>
+            </a:solidFill>
+          </a:ln>
+        </p:spPr>
+        <p:style>
+          <a:lnRef idx="2">
+            <a:schemeClr val="accent1">
+              <a:shade val="50000"/>
+            </a:schemeClr>
+          </a:lnRef>
+          <a:fillRef idx="1">
+            <a:schemeClr val="accent1"/>
+          </a:fillRef>
+          <a:effectRef idx="0">
+            <a:schemeClr val="accent1"/>
+          </a:effectRef>
+          <a:fontRef idx="minor">
+            <a:schemeClr val="lt1"/>
+          </a:fontRef>
+        </p:style>
+        <p:txBody>
+          <a:bodyPr rtlCol="0" anchor="ctr"/>
+          <a:lstStyle/>
+          <a:p>
+            <a:pPr algn="ctr"/>
+            <a:endParaRPr lang="en-US"/>
+          </a:p>
+        </p:txBody>
+      </p:sp>
+      <p:sp>
+        <p:nvSpPr>
+          <p:cNvPr id="14" name="Rectangle 13">
+            <a:extLst>
+              <a:ext uri="{FF2B5EF4-FFF2-40B4-BE49-F238E27FC236}">
+                <a16:creationId xmlns:a16="http://schemas.microsoft.com/office/drawing/2014/main" id="{172747AC-131B-4300-844F-A74F82059B44}"/>
+              </a:ext>
+            </a:extLst>
+          </p:cNvPr>
+          <p:cNvSpPr/>
+          <p:nvPr/>
+        </p:nvSpPr>
+        <p:spPr>
+          <a:xfrm>
+            <a:off x="14134934" y="2816007"/>
+            <a:ext cx="10236681" cy="4658841"/>
+          </a:xfrm>
+          <a:prstGeom prst="rect">
+            <a:avLst/>
+          </a:prstGeom>
+          <a:noFill/>
+          <a:ln w="38100">
+            <a:solidFill>
+              <a:schemeClr val="accent4">
+                <a:lumMod val="75000"/>
+              </a:schemeClr>
+            </a:solidFill>
+          </a:ln>
+        </p:spPr>
+        <p:style>
+          <a:lnRef idx="2">
+            <a:schemeClr val="accent1">
+              <a:shade val="50000"/>
+            </a:schemeClr>
+          </a:lnRef>
+          <a:fillRef idx="1">
+            <a:schemeClr val="accent1"/>
+          </a:fillRef>
+          <a:effectRef idx="0">
+            <a:schemeClr val="accent1"/>
+          </a:effectRef>
+          <a:fontRef idx="minor">
+            <a:schemeClr val="lt1"/>
+          </a:fontRef>
+        </p:style>
+        <p:txBody>
+          <a:bodyPr rtlCol="0" anchor="ctr"/>
+          <a:lstStyle/>
+          <a:p>
+            <a:pPr algn="ctr"/>
+            <a:endParaRPr lang="en-US"/>
+          </a:p>
+        </p:txBody>
+      </p:sp>
     </p:spTree>
     <p:extLst>
       <p:ext uri="{BB962C8B-B14F-4D97-AF65-F5344CB8AC3E}">

--- a/Presentation/Presentation Two - updated.pptx
+++ b/Presentation/Presentation Two - updated.pptx
@@ -11835,7 +11835,7 @@
         </p:nvSpPr>
         <p:spPr>
           <a:xfrm>
-            <a:off x="14134934" y="2816007"/>
+            <a:off x="14076319" y="2816007"/>
             <a:ext cx="10236681" cy="4658841"/>
           </a:xfrm>
           <a:prstGeom prst="rect">
